--- a/Transkripcija videa.pptx
+++ b/Transkripcija videa.pptx
@@ -113,6 +113,11 @@
       </a:defRPr>
     </a:lvl9pPr>
   </p:defaultTextStyle>
+  <p:extLst>
+    <p:ext uri="{EFAFB233-063F-42B5-8137-9DF3F51BA10A}">
+      <p15:sldGuideLst xmlns:p15="http://schemas.microsoft.com/office/powerpoint/2012/main"/>
+    </p:ext>
+  </p:extLst>
 </p:presentation>
 </file>
 
@@ -304,7 +309,7 @@
           <a:p>
             <a:fld id="{5FEA125F-8239-4DB4-A7DC-AA07E5FA0C41}" type="datetimeFigureOut">
               <a:rPr lang="en-US" smtClean="0"/>
-              <a:t>10/16/2025</a:t>
+              <a:t>10/17/2025</a:t>
             </a:fld>
             <a:endParaRPr lang="en-US"/>
           </a:p>
@@ -642,7 +647,7 @@
           <a:p>
             <a:fld id="{5FEA125F-8239-4DB4-A7DC-AA07E5FA0C41}" type="datetimeFigureOut">
               <a:rPr lang="en-US" smtClean="0"/>
-              <a:t>10/16/2025</a:t>
+              <a:t>10/17/2025</a:t>
             </a:fld>
             <a:endParaRPr lang="en-US"/>
           </a:p>
@@ -1043,7 +1048,7 @@
           <a:p>
             <a:fld id="{5FEA125F-8239-4DB4-A7DC-AA07E5FA0C41}" type="datetimeFigureOut">
               <a:rPr lang="en-US" smtClean="0"/>
-              <a:t>10/16/2025</a:t>
+              <a:t>10/17/2025</a:t>
             </a:fld>
             <a:endParaRPr lang="en-US"/>
           </a:p>
@@ -1379,7 +1384,7 @@
           <a:p>
             <a:fld id="{5FEA125F-8239-4DB4-A7DC-AA07E5FA0C41}" type="datetimeFigureOut">
               <a:rPr lang="en-US" smtClean="0"/>
-              <a:t>10/16/2025</a:t>
+              <a:t>10/17/2025</a:t>
             </a:fld>
             <a:endParaRPr lang="en-US"/>
           </a:p>
@@ -1699,7 +1704,7 @@
           <a:p>
             <a:fld id="{5FEA125F-8239-4DB4-A7DC-AA07E5FA0C41}" type="datetimeFigureOut">
               <a:rPr lang="en-US" smtClean="0"/>
-              <a:t>10/16/2025</a:t>
+              <a:t>10/17/2025</a:t>
             </a:fld>
             <a:endParaRPr lang="en-US"/>
           </a:p>
@@ -2095,7 +2100,7 @@
           <a:p>
             <a:fld id="{5FEA125F-8239-4DB4-A7DC-AA07E5FA0C41}" type="datetimeFigureOut">
               <a:rPr lang="en-US" smtClean="0"/>
-              <a:t>10/16/2025</a:t>
+              <a:t>10/17/2025</a:t>
             </a:fld>
             <a:endParaRPr lang="en-US"/>
           </a:p>
@@ -2352,7 +2357,7 @@
           <a:p>
             <a:fld id="{5FEA125F-8239-4DB4-A7DC-AA07E5FA0C41}" type="datetimeFigureOut">
               <a:rPr lang="en-US" smtClean="0"/>
-              <a:t>10/16/2025</a:t>
+              <a:t>10/17/2025</a:t>
             </a:fld>
             <a:endParaRPr lang="en-US"/>
           </a:p>
@@ -2614,7 +2619,7 @@
           <a:p>
             <a:fld id="{5FEA125F-8239-4DB4-A7DC-AA07E5FA0C41}" type="datetimeFigureOut">
               <a:rPr lang="en-US" smtClean="0"/>
-              <a:t>10/16/2025</a:t>
+              <a:t>10/17/2025</a:t>
             </a:fld>
             <a:endParaRPr lang="en-US"/>
           </a:p>
@@ -2876,7 +2881,7 @@
           <a:p>
             <a:fld id="{5FEA125F-8239-4DB4-A7DC-AA07E5FA0C41}" type="datetimeFigureOut">
               <a:rPr lang="en-US" smtClean="0"/>
-              <a:t>10/16/2025</a:t>
+              <a:t>10/17/2025</a:t>
             </a:fld>
             <a:endParaRPr lang="en-US"/>
           </a:p>
@@ -3205,7 +3210,7 @@
           <a:p>
             <a:fld id="{5FEA125F-8239-4DB4-A7DC-AA07E5FA0C41}" type="datetimeFigureOut">
               <a:rPr lang="en-US" smtClean="0"/>
-              <a:t>10/16/2025</a:t>
+              <a:t>10/17/2025</a:t>
             </a:fld>
             <a:endParaRPr lang="en-US"/>
           </a:p>
@@ -3528,7 +3533,7 @@
           <a:p>
             <a:fld id="{5FEA125F-8239-4DB4-A7DC-AA07E5FA0C41}" type="datetimeFigureOut">
               <a:rPr lang="en-US" smtClean="0"/>
-              <a:t>10/16/2025</a:t>
+              <a:t>10/17/2025</a:t>
             </a:fld>
             <a:endParaRPr lang="en-US"/>
           </a:p>
@@ -3985,7 +3990,7 @@
           <a:p>
             <a:fld id="{5FEA125F-8239-4DB4-A7DC-AA07E5FA0C41}" type="datetimeFigureOut">
               <a:rPr lang="en-US" smtClean="0"/>
-              <a:t>10/16/2025</a:t>
+              <a:t>10/17/2025</a:t>
             </a:fld>
             <a:endParaRPr lang="en-US"/>
           </a:p>
@@ -4190,7 +4195,7 @@
           <a:p>
             <a:fld id="{5FEA125F-8239-4DB4-A7DC-AA07E5FA0C41}" type="datetimeFigureOut">
               <a:rPr lang="en-US" smtClean="0"/>
-              <a:t>10/16/2025</a:t>
+              <a:t>10/17/2025</a:t>
             </a:fld>
             <a:endParaRPr lang="en-US"/>
           </a:p>
@@ -4367,7 +4372,7 @@
           <a:p>
             <a:fld id="{5FEA125F-8239-4DB4-A7DC-AA07E5FA0C41}" type="datetimeFigureOut">
               <a:rPr lang="en-US" smtClean="0"/>
-              <a:t>10/16/2025</a:t>
+              <a:t>10/17/2025</a:t>
             </a:fld>
             <a:endParaRPr lang="en-US"/>
           </a:p>
@@ -4700,7 +4705,7 @@
           <a:p>
             <a:fld id="{5FEA125F-8239-4DB4-A7DC-AA07E5FA0C41}" type="datetimeFigureOut">
               <a:rPr lang="en-US" smtClean="0"/>
-              <a:t>10/16/2025</a:t>
+              <a:t>10/17/2025</a:t>
             </a:fld>
             <a:endParaRPr lang="en-US"/>
           </a:p>
@@ -5045,7 +5050,7 @@
           <a:p>
             <a:fld id="{5FEA125F-8239-4DB4-A7DC-AA07E5FA0C41}" type="datetimeFigureOut">
               <a:rPr lang="en-US" smtClean="0"/>
-              <a:t>10/16/2025</a:t>
+              <a:t>10/17/2025</a:t>
             </a:fld>
             <a:endParaRPr lang="en-US"/>
           </a:p>
@@ -7162,7 +7167,7 @@
           <a:p>
             <a:fld id="{5FEA125F-8239-4DB4-A7DC-AA07E5FA0C41}" type="datetimeFigureOut">
               <a:rPr lang="en-US" smtClean="0"/>
-              <a:t>10/16/2025</a:t>
+              <a:t>10/17/2025</a:t>
             </a:fld>
             <a:endParaRPr lang="en-US"/>
           </a:p>
@@ -8661,10 +8666,10 @@
       </p:sp>
       <p:pic>
         <p:nvPicPr>
-          <p:cNvPr id="4" name="Picture 3">
+          <p:cNvPr id="6" name="Picture 5">
             <a:extLst>
               <a:ext uri="{FF2B5EF4-FFF2-40B4-BE49-F238E27FC236}">
-                <a16:creationId xmlns:a16="http://schemas.microsoft.com/office/drawing/2014/main" id="{C60DAF49-B04E-420A-8973-EA6D61F31114}"/>
+                <a16:creationId xmlns:a16="http://schemas.microsoft.com/office/drawing/2014/main" id="{7870DAD1-19A3-47C9-BF72-4CBA78717F4B}"/>
               </a:ext>
             </a:extLst>
           </p:cNvPr>
@@ -8687,8 +8692,8 @@
         </p:blipFill>
         <p:spPr>
           <a:xfrm>
-            <a:off x="2589212" y="5162806"/>
-            <a:ext cx="8304824" cy="502888"/>
+            <a:off x="2589212" y="5175140"/>
+            <a:ext cx="9300770" cy="365048"/>
           </a:xfrm>
           <a:prstGeom prst="rect">
             <a:avLst/>

--- a/Transkripcija videa.pptx
+++ b/Transkripcija videa.pptx
@@ -309,7 +309,7 @@
           <a:p>
             <a:fld id="{5FEA125F-8239-4DB4-A7DC-AA07E5FA0C41}" type="datetimeFigureOut">
               <a:rPr lang="en-US" smtClean="0"/>
-              <a:t>10/17/2025</a:t>
+              <a:t>10/18/2025</a:t>
             </a:fld>
             <a:endParaRPr lang="en-US"/>
           </a:p>
@@ -647,7 +647,7 @@
           <a:p>
             <a:fld id="{5FEA125F-8239-4DB4-A7DC-AA07E5FA0C41}" type="datetimeFigureOut">
               <a:rPr lang="en-US" smtClean="0"/>
-              <a:t>10/17/2025</a:t>
+              <a:t>10/18/2025</a:t>
             </a:fld>
             <a:endParaRPr lang="en-US"/>
           </a:p>
@@ -1048,7 +1048,7 @@
           <a:p>
             <a:fld id="{5FEA125F-8239-4DB4-A7DC-AA07E5FA0C41}" type="datetimeFigureOut">
               <a:rPr lang="en-US" smtClean="0"/>
-              <a:t>10/17/2025</a:t>
+              <a:t>10/18/2025</a:t>
             </a:fld>
             <a:endParaRPr lang="en-US"/>
           </a:p>
@@ -1384,7 +1384,7 @@
           <a:p>
             <a:fld id="{5FEA125F-8239-4DB4-A7DC-AA07E5FA0C41}" type="datetimeFigureOut">
               <a:rPr lang="en-US" smtClean="0"/>
-              <a:t>10/17/2025</a:t>
+              <a:t>10/18/2025</a:t>
             </a:fld>
             <a:endParaRPr lang="en-US"/>
           </a:p>
@@ -1704,7 +1704,7 @@
           <a:p>
             <a:fld id="{5FEA125F-8239-4DB4-A7DC-AA07E5FA0C41}" type="datetimeFigureOut">
               <a:rPr lang="en-US" smtClean="0"/>
-              <a:t>10/17/2025</a:t>
+              <a:t>10/18/2025</a:t>
             </a:fld>
             <a:endParaRPr lang="en-US"/>
           </a:p>
@@ -2100,7 +2100,7 @@
           <a:p>
             <a:fld id="{5FEA125F-8239-4DB4-A7DC-AA07E5FA0C41}" type="datetimeFigureOut">
               <a:rPr lang="en-US" smtClean="0"/>
-              <a:t>10/17/2025</a:t>
+              <a:t>10/18/2025</a:t>
             </a:fld>
             <a:endParaRPr lang="en-US"/>
           </a:p>
@@ -2357,7 +2357,7 @@
           <a:p>
             <a:fld id="{5FEA125F-8239-4DB4-A7DC-AA07E5FA0C41}" type="datetimeFigureOut">
               <a:rPr lang="en-US" smtClean="0"/>
-              <a:t>10/17/2025</a:t>
+              <a:t>10/18/2025</a:t>
             </a:fld>
             <a:endParaRPr lang="en-US"/>
           </a:p>
@@ -2619,7 +2619,7 @@
           <a:p>
             <a:fld id="{5FEA125F-8239-4DB4-A7DC-AA07E5FA0C41}" type="datetimeFigureOut">
               <a:rPr lang="en-US" smtClean="0"/>
-              <a:t>10/17/2025</a:t>
+              <a:t>10/18/2025</a:t>
             </a:fld>
             <a:endParaRPr lang="en-US"/>
           </a:p>
@@ -2881,7 +2881,7 @@
           <a:p>
             <a:fld id="{5FEA125F-8239-4DB4-A7DC-AA07E5FA0C41}" type="datetimeFigureOut">
               <a:rPr lang="en-US" smtClean="0"/>
-              <a:t>10/17/2025</a:t>
+              <a:t>10/18/2025</a:t>
             </a:fld>
             <a:endParaRPr lang="en-US"/>
           </a:p>
@@ -3210,7 +3210,7 @@
           <a:p>
             <a:fld id="{5FEA125F-8239-4DB4-A7DC-AA07E5FA0C41}" type="datetimeFigureOut">
               <a:rPr lang="en-US" smtClean="0"/>
-              <a:t>10/17/2025</a:t>
+              <a:t>10/18/2025</a:t>
             </a:fld>
             <a:endParaRPr lang="en-US"/>
           </a:p>
@@ -3533,7 +3533,7 @@
           <a:p>
             <a:fld id="{5FEA125F-8239-4DB4-A7DC-AA07E5FA0C41}" type="datetimeFigureOut">
               <a:rPr lang="en-US" smtClean="0"/>
-              <a:t>10/17/2025</a:t>
+              <a:t>10/18/2025</a:t>
             </a:fld>
             <a:endParaRPr lang="en-US"/>
           </a:p>
@@ -3990,7 +3990,7 @@
           <a:p>
             <a:fld id="{5FEA125F-8239-4DB4-A7DC-AA07E5FA0C41}" type="datetimeFigureOut">
               <a:rPr lang="en-US" smtClean="0"/>
-              <a:t>10/17/2025</a:t>
+              <a:t>10/18/2025</a:t>
             </a:fld>
             <a:endParaRPr lang="en-US"/>
           </a:p>
@@ -4195,7 +4195,7 @@
           <a:p>
             <a:fld id="{5FEA125F-8239-4DB4-A7DC-AA07E5FA0C41}" type="datetimeFigureOut">
               <a:rPr lang="en-US" smtClean="0"/>
-              <a:t>10/17/2025</a:t>
+              <a:t>10/18/2025</a:t>
             </a:fld>
             <a:endParaRPr lang="en-US"/>
           </a:p>
@@ -4372,7 +4372,7 @@
           <a:p>
             <a:fld id="{5FEA125F-8239-4DB4-A7DC-AA07E5FA0C41}" type="datetimeFigureOut">
               <a:rPr lang="en-US" smtClean="0"/>
-              <a:t>10/17/2025</a:t>
+              <a:t>10/18/2025</a:t>
             </a:fld>
             <a:endParaRPr lang="en-US"/>
           </a:p>
@@ -4705,7 +4705,7 @@
           <a:p>
             <a:fld id="{5FEA125F-8239-4DB4-A7DC-AA07E5FA0C41}" type="datetimeFigureOut">
               <a:rPr lang="en-US" smtClean="0"/>
-              <a:t>10/17/2025</a:t>
+              <a:t>10/18/2025</a:t>
             </a:fld>
             <a:endParaRPr lang="en-US"/>
           </a:p>
@@ -5050,7 +5050,7 @@
           <a:p>
             <a:fld id="{5FEA125F-8239-4DB4-A7DC-AA07E5FA0C41}" type="datetimeFigureOut">
               <a:rPr lang="en-US" smtClean="0"/>
-              <a:t>10/17/2025</a:t>
+              <a:t>10/18/2025</a:t>
             </a:fld>
             <a:endParaRPr lang="en-US"/>
           </a:p>
@@ -7167,7 +7167,7 @@
           <a:p>
             <a:fld id="{5FEA125F-8239-4DB4-A7DC-AA07E5FA0C41}" type="datetimeFigureOut">
               <a:rPr lang="en-US" smtClean="0"/>
-              <a:t>10/17/2025</a:t>
+              <a:t>10/18/2025</a:t>
             </a:fld>
             <a:endParaRPr lang="en-US"/>
           </a:p>
@@ -8848,11 +8848,15 @@
             </a:r>
             <a:r>
               <a:rPr lang="en-US" dirty="0" err="1"/>
-              <a:t>pomo’u</a:t>
+              <a:t>pomo</a:t>
+            </a:r>
+            <a:r>
+              <a:rPr lang="sr-Latn-RS" dirty="0"/>
+              <a:t>ć</a:t>
             </a:r>
             <a:r>
               <a:rPr lang="en-US" dirty="0"/>
-              <a:t> </a:t>
+              <a:t>u </a:t>
             </a:r>
             <a:r>
               <a:rPr lang="en-US" dirty="0" err="1"/>
